--- a/Lecture6.pptx
+++ b/Lecture6.pptx
@@ -215,7 +215,7 @@
           <a:p>
             <a:fld id="{4BDAE968-F395-F64D-B9D6-A23540624BA1}" type="datetimeFigureOut">
               <a:rPr lang="en-US" smtClean="0"/>
-              <a:t>2/23/17</a:t>
+              <a:t>2/25/17</a:t>
             </a:fld>
             <a:endParaRPr lang="en-US"/>
           </a:p>
@@ -614,7 +614,7 @@
           <a:p>
             <a:fld id="{FCDB77E1-D6CA-674E-8E17-659716630509}" type="datetimeFigureOut">
               <a:rPr lang="en-US" smtClean="0"/>
-              <a:t>2/23/17</a:t>
+              <a:t>2/25/17</a:t>
             </a:fld>
             <a:endParaRPr lang="en-US"/>
           </a:p>
@@ -784,7 +784,7 @@
           <a:p>
             <a:fld id="{FCDB77E1-D6CA-674E-8E17-659716630509}" type="datetimeFigureOut">
               <a:rPr lang="en-US" smtClean="0"/>
-              <a:t>2/23/17</a:t>
+              <a:t>2/25/17</a:t>
             </a:fld>
             <a:endParaRPr lang="en-US"/>
           </a:p>
@@ -964,7 +964,7 @@
           <a:p>
             <a:fld id="{FCDB77E1-D6CA-674E-8E17-659716630509}" type="datetimeFigureOut">
               <a:rPr lang="en-US" smtClean="0"/>
-              <a:t>2/23/17</a:t>
+              <a:t>2/25/17</a:t>
             </a:fld>
             <a:endParaRPr lang="en-US"/>
           </a:p>
@@ -1134,7 +1134,7 @@
           <a:p>
             <a:fld id="{FCDB77E1-D6CA-674E-8E17-659716630509}" type="datetimeFigureOut">
               <a:rPr lang="en-US" smtClean="0"/>
-              <a:t>2/23/17</a:t>
+              <a:t>2/25/17</a:t>
             </a:fld>
             <a:endParaRPr lang="en-US"/>
           </a:p>
@@ -1380,7 +1380,7 @@
           <a:p>
             <a:fld id="{FCDB77E1-D6CA-674E-8E17-659716630509}" type="datetimeFigureOut">
               <a:rPr lang="en-US" smtClean="0"/>
-              <a:t>2/23/17</a:t>
+              <a:t>2/25/17</a:t>
             </a:fld>
             <a:endParaRPr lang="en-US"/>
           </a:p>
@@ -1612,7 +1612,7 @@
           <a:p>
             <a:fld id="{FCDB77E1-D6CA-674E-8E17-659716630509}" type="datetimeFigureOut">
               <a:rPr lang="en-US" smtClean="0"/>
-              <a:t>2/23/17</a:t>
+              <a:t>2/25/17</a:t>
             </a:fld>
             <a:endParaRPr lang="en-US"/>
           </a:p>
@@ -1979,7 +1979,7 @@
           <a:p>
             <a:fld id="{FCDB77E1-D6CA-674E-8E17-659716630509}" type="datetimeFigureOut">
               <a:rPr lang="en-US" smtClean="0"/>
-              <a:t>2/23/17</a:t>
+              <a:t>2/25/17</a:t>
             </a:fld>
             <a:endParaRPr lang="en-US"/>
           </a:p>
@@ -2097,7 +2097,7 @@
           <a:p>
             <a:fld id="{FCDB77E1-D6CA-674E-8E17-659716630509}" type="datetimeFigureOut">
               <a:rPr lang="en-US" smtClean="0"/>
-              <a:t>2/23/17</a:t>
+              <a:t>2/25/17</a:t>
             </a:fld>
             <a:endParaRPr lang="en-US"/>
           </a:p>
@@ -2192,7 +2192,7 @@
           <a:p>
             <a:fld id="{FCDB77E1-D6CA-674E-8E17-659716630509}" type="datetimeFigureOut">
               <a:rPr lang="en-US" smtClean="0"/>
-              <a:t>2/23/17</a:t>
+              <a:t>2/25/17</a:t>
             </a:fld>
             <a:endParaRPr lang="en-US"/>
           </a:p>
@@ -2469,7 +2469,7 @@
           <a:p>
             <a:fld id="{FCDB77E1-D6CA-674E-8E17-659716630509}" type="datetimeFigureOut">
               <a:rPr lang="en-US" smtClean="0"/>
-              <a:t>2/23/17</a:t>
+              <a:t>2/25/17</a:t>
             </a:fld>
             <a:endParaRPr lang="en-US"/>
           </a:p>
@@ -2722,7 +2722,7 @@
           <a:p>
             <a:fld id="{FCDB77E1-D6CA-674E-8E17-659716630509}" type="datetimeFigureOut">
               <a:rPr lang="en-US" smtClean="0"/>
-              <a:t>2/23/17</a:t>
+              <a:t>2/25/17</a:t>
             </a:fld>
             <a:endParaRPr lang="en-US"/>
           </a:p>
@@ -2935,7 +2935,7 @@
           <a:p>
             <a:fld id="{FCDB77E1-D6CA-674E-8E17-659716630509}" type="datetimeFigureOut">
               <a:rPr lang="en-US" smtClean="0"/>
-              <a:t>2/23/17</a:t>
+              <a:t>2/25/17</a:t>
             </a:fld>
             <a:endParaRPr lang="en-US"/>
           </a:p>
@@ -3378,17 +3378,29 @@
           <a:p>
             <a:r>
               <a:rPr lang="en-US" sz="2800" dirty="0" smtClean="0"/>
-              <a:t>HDFS, </a:t>
-            </a:r>
-            <a:r>
-              <a:rPr lang="en-US" sz="2800" dirty="0" err="1" smtClean="0"/>
-              <a:t>MapReduce</a:t>
+              <a:t>HDFS, MapReduce and </a:t>
             </a:r>
             <a:r>
               <a:rPr lang="en-US" sz="2800" dirty="0" smtClean="0"/>
-              <a:t> and PIG</a:t>
-            </a:r>
-            <a:endParaRPr lang="en-US" sz="2800" dirty="0"/>
+              <a:t>PIG</a:t>
+            </a:r>
+          </a:p>
+          <a:p>
+            <a:endParaRPr lang="en-US" sz="2800" dirty="0" smtClean="0"/>
+          </a:p>
+          <a:p>
+            <a:r>
+              <a:rPr lang="en-US" sz="1400" dirty="0" smtClean="0"/>
+              <a:t>Class Lecture for CE650C, Spring 2017 </a:t>
+            </a:r>
+            <a:endParaRPr lang="en-US" sz="1400" dirty="0"/>
+          </a:p>
+          <a:p>
+            <a:r>
+              <a:rPr lang="en-US" sz="1400" dirty="0" smtClean="0"/>
+              <a:t>By Shuo Wang</a:t>
+            </a:r>
+            <a:endParaRPr lang="en-US" sz="1400" dirty="0"/>
           </a:p>
         </p:txBody>
       </p:sp>
